--- a/SE4950/M06 Update.pptx
+++ b/SE4950/M06 Update.pptx
@@ -2216,16 +2216,16 @@
     </dgm:pt>
   </dgm:ptLst>
   <dgm:cxnLst>
+    <dgm:cxn modelId="{E1DA9057-E642-47ED-9375-7BBD3562D118}" srcId="{D5497BEC-09E2-4521-8692-09A5EEFF9E40}" destId="{9E494408-8275-4C3D-9DB2-AEFE9ED9FBB3}" srcOrd="0" destOrd="0" parTransId="{CF849C0D-480C-4BF8-A05E-01F160BB9A12}" sibTransId="{20D71347-1734-45D3-A8FF-DA1D19D74166}"/>
+    <dgm:cxn modelId="{55EBBE67-9182-4BC4-8687-08DABF8016D2}" type="presOf" srcId="{DCD3ABB3-72C0-4CA3-B6F9-31C26F313509}" destId="{193EFC5D-982E-4F9D-92CF-FCDF1FE31161}" srcOrd="1" destOrd="0" presId="urn:microsoft.com/office/officeart/2005/8/layout/venn1"/>
+    <dgm:cxn modelId="{70203057-814D-4A7E-8CBC-846B1E3DEC18}" type="presOf" srcId="{DCD3ABB3-72C0-4CA3-B6F9-31C26F313509}" destId="{7E712143-0B3E-420A-BFF4-3B1FD8FF895C}" srcOrd="0" destOrd="0" presId="urn:microsoft.com/office/officeart/2005/8/layout/venn1"/>
+    <dgm:cxn modelId="{9A1640AC-5EA9-48D7-B5D3-C734A434D64F}" type="presOf" srcId="{7C1EE838-39F2-4BCE-8449-38E0D058AF3C}" destId="{C40DD49C-2321-4EF1-BA47-5693549C3667}" srcOrd="0" destOrd="0" presId="urn:microsoft.com/office/officeart/2005/8/layout/venn1"/>
+    <dgm:cxn modelId="{4F9E93AE-3C58-4046-9769-747B2CBBC4DC}" srcId="{D5497BEC-09E2-4521-8692-09A5EEFF9E40}" destId="{DCD3ABB3-72C0-4CA3-B6F9-31C26F313509}" srcOrd="2" destOrd="0" parTransId="{EABB7512-B2E2-4239-A4D9-4FCB7ED1F7F1}" sibTransId="{593822F8-433F-43FF-838F-AD08291185B6}"/>
+    <dgm:cxn modelId="{454601E1-AD7E-4E34-8F46-729F10756FEE}" type="presOf" srcId="{9E494408-8275-4C3D-9DB2-AEFE9ED9FBB3}" destId="{90EF4181-7ABA-4456-B1B2-E98C51CD4D26}" srcOrd="0" destOrd="0" presId="urn:microsoft.com/office/officeart/2005/8/layout/venn1"/>
+    <dgm:cxn modelId="{5A2A1D7E-50C3-49C3-AABE-20EB8A8B1CA0}" type="presOf" srcId="{9E494408-8275-4C3D-9DB2-AEFE9ED9FBB3}" destId="{BAFFCE36-620B-4FCB-8B4A-0ED3BD9F621C}" srcOrd="1" destOrd="0" presId="urn:microsoft.com/office/officeart/2005/8/layout/venn1"/>
+    <dgm:cxn modelId="{A057D6B8-B471-4160-BDE3-7A2AD8B98A8C}" type="presOf" srcId="{7C1EE838-39F2-4BCE-8449-38E0D058AF3C}" destId="{0F3D577B-003D-4D25-9A5D-385317E0B006}" srcOrd="1" destOrd="0" presId="urn:microsoft.com/office/officeart/2005/8/layout/venn1"/>
     <dgm:cxn modelId="{E22064CE-5BF7-4411-9C14-3573C1B7C58F}" srcId="{D5497BEC-09E2-4521-8692-09A5EEFF9E40}" destId="{7C1EE838-39F2-4BCE-8449-38E0D058AF3C}" srcOrd="1" destOrd="0" parTransId="{BF23789B-439F-42EB-9167-76E1E0E77AA0}" sibTransId="{D540300E-9FAC-402A-815C-E1834BD1530C}"/>
-    <dgm:cxn modelId="{4F9E93AE-3C58-4046-9769-747B2CBBC4DC}" srcId="{D5497BEC-09E2-4521-8692-09A5EEFF9E40}" destId="{DCD3ABB3-72C0-4CA3-B6F9-31C26F313509}" srcOrd="2" destOrd="0" parTransId="{EABB7512-B2E2-4239-A4D9-4FCB7ED1F7F1}" sibTransId="{593822F8-433F-43FF-838F-AD08291185B6}"/>
-    <dgm:cxn modelId="{9A1640AC-5EA9-48D7-B5D3-C734A434D64F}" type="presOf" srcId="{7C1EE838-39F2-4BCE-8449-38E0D058AF3C}" destId="{C40DD49C-2321-4EF1-BA47-5693549C3667}" srcOrd="0" destOrd="0" presId="urn:microsoft.com/office/officeart/2005/8/layout/venn1"/>
-    <dgm:cxn modelId="{55EBBE67-9182-4BC4-8687-08DABF8016D2}" type="presOf" srcId="{DCD3ABB3-72C0-4CA3-B6F9-31C26F313509}" destId="{193EFC5D-982E-4F9D-92CF-FCDF1FE31161}" srcOrd="1" destOrd="0" presId="urn:microsoft.com/office/officeart/2005/8/layout/venn1"/>
-    <dgm:cxn modelId="{A057D6B8-B471-4160-BDE3-7A2AD8B98A8C}" type="presOf" srcId="{7C1EE838-39F2-4BCE-8449-38E0D058AF3C}" destId="{0F3D577B-003D-4D25-9A5D-385317E0B006}" srcOrd="1" destOrd="0" presId="urn:microsoft.com/office/officeart/2005/8/layout/venn1"/>
-    <dgm:cxn modelId="{E1DA9057-E642-47ED-9375-7BBD3562D118}" srcId="{D5497BEC-09E2-4521-8692-09A5EEFF9E40}" destId="{9E494408-8275-4C3D-9DB2-AEFE9ED9FBB3}" srcOrd="0" destOrd="0" parTransId="{CF849C0D-480C-4BF8-A05E-01F160BB9A12}" sibTransId="{20D71347-1734-45D3-A8FF-DA1D19D74166}"/>
-    <dgm:cxn modelId="{5A2A1D7E-50C3-49C3-AABE-20EB8A8B1CA0}" type="presOf" srcId="{9E494408-8275-4C3D-9DB2-AEFE9ED9FBB3}" destId="{BAFFCE36-620B-4FCB-8B4A-0ED3BD9F621C}" srcOrd="1" destOrd="0" presId="urn:microsoft.com/office/officeart/2005/8/layout/venn1"/>
     <dgm:cxn modelId="{9526EE2F-10B6-418C-B97D-E48B40664CBF}" type="presOf" srcId="{D5497BEC-09E2-4521-8692-09A5EEFF9E40}" destId="{6A8D5397-3CB1-4BC3-9799-556160833AB6}" srcOrd="0" destOrd="0" presId="urn:microsoft.com/office/officeart/2005/8/layout/venn1"/>
-    <dgm:cxn modelId="{454601E1-AD7E-4E34-8F46-729F10756FEE}" type="presOf" srcId="{9E494408-8275-4C3D-9DB2-AEFE9ED9FBB3}" destId="{90EF4181-7ABA-4456-B1B2-E98C51CD4D26}" srcOrd="0" destOrd="0" presId="urn:microsoft.com/office/officeart/2005/8/layout/venn1"/>
-    <dgm:cxn modelId="{70203057-814D-4A7E-8CBC-846B1E3DEC18}" type="presOf" srcId="{DCD3ABB3-72C0-4CA3-B6F9-31C26F313509}" destId="{7E712143-0B3E-420A-BFF4-3B1FD8FF895C}" srcOrd="0" destOrd="0" presId="urn:microsoft.com/office/officeart/2005/8/layout/venn1"/>
     <dgm:cxn modelId="{F7BA6B8C-4DBD-4992-BC62-EAF7859C34B6}" type="presParOf" srcId="{6A8D5397-3CB1-4BC3-9799-556160833AB6}" destId="{90EF4181-7ABA-4456-B1B2-E98C51CD4D26}" srcOrd="0" destOrd="0" presId="urn:microsoft.com/office/officeart/2005/8/layout/venn1"/>
     <dgm:cxn modelId="{AD92BCA4-1216-46C6-BBF9-01D9CC3CA697}" type="presParOf" srcId="{6A8D5397-3CB1-4BC3-9799-556160833AB6}" destId="{BAFFCE36-620B-4FCB-8B4A-0ED3BD9F621C}" srcOrd="1" destOrd="0" presId="urn:microsoft.com/office/officeart/2005/8/layout/venn1"/>
     <dgm:cxn modelId="{E861D7FE-1B50-4BB6-AEE0-C19D93F8CB46}" type="presParOf" srcId="{6A8D5397-3CB1-4BC3-9799-556160833AB6}" destId="{C40DD49C-2321-4EF1-BA47-5693549C3667}" srcOrd="2" destOrd="0" presId="urn:microsoft.com/office/officeart/2005/8/layout/venn1"/>
@@ -2237,7 +2237,7 @@
   <dgm:whole/>
   <dgm:extLst>
     <a:ext uri="http://schemas.microsoft.com/office/drawing/2008/diagram">
-      <dsp:dataModelExt xmlns:dsp="http://schemas.microsoft.com/office/drawing/2008/diagram" relId="rId6" minVer="http://schemas.openxmlformats.org/drawingml/2006/diagram"/>
+      <dsp:dataModelExt xmlns:dsp="http://schemas.microsoft.com/office/drawing/2008/diagram" xmlns="" relId="rId6" minVer="http://schemas.openxmlformats.org/drawingml/2006/diagram"/>
     </a:ext>
   </dgm:extLst>
 </dgm:dataModel>
@@ -2507,15 +2507,15 @@
     </dgm:pt>
   </dgm:ptLst>
   <dgm:cxnLst>
+    <dgm:cxn modelId="{6C03E954-4FB5-406F-B183-E763C10BBBD1}" type="presOf" srcId="{F6C7B186-60F0-48D1-91CF-B1EC3243B27B}" destId="{D2EBF0E3-BD08-4EBA-A768-DFC95900FF18}" srcOrd="0" destOrd="0" presId="urn:microsoft.com/office/officeart/2005/8/layout/hProcess9"/>
+    <dgm:cxn modelId="{9C63A682-207F-4443-8860-DF6F5E7E71E8}" srcId="{77E98DE2-B94B-4E3A-8684-7143836B758C}" destId="{E34C7AA1-83AF-430E-B706-762CC2641D4C}" srcOrd="2" destOrd="0" parTransId="{B7FA78C5-1863-44F7-A563-933D6CAC144F}" sibTransId="{2A2BA893-FF55-4204-9228-50D34771733B}"/>
+    <dgm:cxn modelId="{3F1BA7A1-2797-442B-884D-26D594123A11}" type="presOf" srcId="{19531750-75D0-47AA-AECA-35B5DD830116}" destId="{9AEF31B1-977B-476D-86F7-50DC85178B1A}" srcOrd="0" destOrd="0" presId="urn:microsoft.com/office/officeart/2005/8/layout/hProcess9"/>
+    <dgm:cxn modelId="{F8B5847C-3C78-49F8-8F86-F749A33C9D70}" type="presOf" srcId="{77E98DE2-B94B-4E3A-8684-7143836B758C}" destId="{A58E361A-DB4A-4589-8A68-D2509E61F1AF}" srcOrd="0" destOrd="0" presId="urn:microsoft.com/office/officeart/2005/8/layout/hProcess9"/>
+    <dgm:cxn modelId="{7187824A-481D-4035-B1EA-D5DCA674554C}" srcId="{77E98DE2-B94B-4E3A-8684-7143836B758C}" destId="{19531750-75D0-47AA-AECA-35B5DD830116}" srcOrd="1" destOrd="0" parTransId="{CFC0EF5B-67EC-4DFE-B63C-D11185383AA5}" sibTransId="{7D001C2F-47EA-469B-8128-E548538B2645}"/>
     <dgm:cxn modelId="{646E4887-B548-47CF-B119-DE9DA6B8AE16}" srcId="{77E98DE2-B94B-4E3A-8684-7143836B758C}" destId="{9130BBFB-AC8D-4A64-ACBE-C56F91433962}" srcOrd="3" destOrd="0" parTransId="{5FB311A0-3369-413F-996E-F0A77E44789E}" sibTransId="{B48E2DCC-2F35-4DEF-BE53-59DCB11A0600}"/>
+    <dgm:cxn modelId="{73959404-413A-4D21-AD32-D5901DC64CED}" type="presOf" srcId="{E34C7AA1-83AF-430E-B706-762CC2641D4C}" destId="{555C0537-04C0-4A3B-8D29-6D2303651A7D}" srcOrd="0" destOrd="0" presId="urn:microsoft.com/office/officeart/2005/8/layout/hProcess9"/>
     <dgm:cxn modelId="{770BAF8D-DBC3-4A10-9F4D-7C1B9CDEC06E}" srcId="{77E98DE2-B94B-4E3A-8684-7143836B758C}" destId="{F6C7B186-60F0-48D1-91CF-B1EC3243B27B}" srcOrd="0" destOrd="0" parTransId="{230D7B18-B17F-4739-8937-BFCF5922E50D}" sibTransId="{FFDF743C-137B-49B2-A457-488093CB9C35}"/>
     <dgm:cxn modelId="{5954C612-60DA-4F61-920C-E7A0BDC4FC45}" type="presOf" srcId="{9130BBFB-AC8D-4A64-ACBE-C56F91433962}" destId="{BF94F634-45D4-425A-8978-B0D10FF654F5}" srcOrd="0" destOrd="0" presId="urn:microsoft.com/office/officeart/2005/8/layout/hProcess9"/>
-    <dgm:cxn modelId="{73959404-413A-4D21-AD32-D5901DC64CED}" type="presOf" srcId="{E34C7AA1-83AF-430E-B706-762CC2641D4C}" destId="{555C0537-04C0-4A3B-8D29-6D2303651A7D}" srcOrd="0" destOrd="0" presId="urn:microsoft.com/office/officeart/2005/8/layout/hProcess9"/>
-    <dgm:cxn modelId="{7187824A-481D-4035-B1EA-D5DCA674554C}" srcId="{77E98DE2-B94B-4E3A-8684-7143836B758C}" destId="{19531750-75D0-47AA-AECA-35B5DD830116}" srcOrd="1" destOrd="0" parTransId="{CFC0EF5B-67EC-4DFE-B63C-D11185383AA5}" sibTransId="{7D001C2F-47EA-469B-8128-E548538B2645}"/>
-    <dgm:cxn modelId="{3F1BA7A1-2797-442B-884D-26D594123A11}" type="presOf" srcId="{19531750-75D0-47AA-AECA-35B5DD830116}" destId="{9AEF31B1-977B-476D-86F7-50DC85178B1A}" srcOrd="0" destOrd="0" presId="urn:microsoft.com/office/officeart/2005/8/layout/hProcess9"/>
-    <dgm:cxn modelId="{F8B5847C-3C78-49F8-8F86-F749A33C9D70}" type="presOf" srcId="{77E98DE2-B94B-4E3A-8684-7143836B758C}" destId="{A58E361A-DB4A-4589-8A68-D2509E61F1AF}" srcOrd="0" destOrd="0" presId="urn:microsoft.com/office/officeart/2005/8/layout/hProcess9"/>
-    <dgm:cxn modelId="{9C63A682-207F-4443-8860-DF6F5E7E71E8}" srcId="{77E98DE2-B94B-4E3A-8684-7143836B758C}" destId="{E34C7AA1-83AF-430E-B706-762CC2641D4C}" srcOrd="2" destOrd="0" parTransId="{B7FA78C5-1863-44F7-A563-933D6CAC144F}" sibTransId="{2A2BA893-FF55-4204-9228-50D34771733B}"/>
-    <dgm:cxn modelId="{6C03E954-4FB5-406F-B183-E763C10BBBD1}" type="presOf" srcId="{F6C7B186-60F0-48D1-91CF-B1EC3243B27B}" destId="{D2EBF0E3-BD08-4EBA-A768-DFC95900FF18}" srcOrd="0" destOrd="0" presId="urn:microsoft.com/office/officeart/2005/8/layout/hProcess9"/>
     <dgm:cxn modelId="{CF27727B-579B-4F08-BC54-9834FB1C73FD}" type="presParOf" srcId="{A58E361A-DB4A-4589-8A68-D2509E61F1AF}" destId="{AEE4ABBE-B399-453F-BD5F-554530FEFCF2}" srcOrd="0" destOrd="0" presId="urn:microsoft.com/office/officeart/2005/8/layout/hProcess9"/>
     <dgm:cxn modelId="{E8560EEC-993A-4B77-8F08-A96BBCDCE19B}" type="presParOf" srcId="{A58E361A-DB4A-4589-8A68-D2509E61F1AF}" destId="{AACBEC7D-85E7-4DE1-8519-880BFD37195F}" srcOrd="1" destOrd="0" presId="urn:microsoft.com/office/officeart/2005/8/layout/hProcess9"/>
     <dgm:cxn modelId="{330585D0-B6B2-48CC-84D8-BD5513669B4B}" type="presParOf" srcId="{AACBEC7D-85E7-4DE1-8519-880BFD37195F}" destId="{D2EBF0E3-BD08-4EBA-A768-DFC95900FF18}" srcOrd="0" destOrd="0" presId="urn:microsoft.com/office/officeart/2005/8/layout/hProcess9"/>
@@ -2530,14 +2530,14 @@
   <dgm:whole/>
   <dgm:extLst>
     <a:ext uri="http://schemas.microsoft.com/office/drawing/2008/diagram">
-      <dsp:dataModelExt xmlns:dsp="http://schemas.microsoft.com/office/drawing/2008/diagram" relId="rId7" minVer="http://schemas.openxmlformats.org/drawingml/2006/diagram"/>
+      <dsp:dataModelExt xmlns:dsp="http://schemas.microsoft.com/office/drawing/2008/diagram" xmlns="" relId="rId7" minVer="http://schemas.openxmlformats.org/drawingml/2006/diagram"/>
     </a:ext>
   </dgm:extLst>
 </dgm:dataModel>
 </file>
 
 <file path=ppt/diagrams/drawing1.xml><?xml version="1.0" encoding="utf-8"?>
-<dsp:drawing xmlns:dgm="http://schemas.openxmlformats.org/drawingml/2006/diagram" xmlns:dsp="http://schemas.microsoft.com/office/drawing/2008/diagram" xmlns:a="http://schemas.openxmlformats.org/drawingml/2006/main">
+<dsp:drawing xmlns:dgm="http://schemas.openxmlformats.org/drawingml/2006/diagram" xmlns:a="http://schemas.openxmlformats.org/drawingml/2006/main" xmlns:dsp="http://schemas.microsoft.com/office/drawing/2008/diagram">
   <dsp:spTree>
     <dsp:nvGrpSpPr>
       <dsp:cNvPr id="0" name=""/>
@@ -2783,7 +2783,7 @@
 </file>
 
 <file path=ppt/diagrams/drawing2.xml><?xml version="1.0" encoding="utf-8"?>
-<dsp:drawing xmlns:dgm="http://schemas.openxmlformats.org/drawingml/2006/diagram" xmlns:dsp="http://schemas.microsoft.com/office/drawing/2008/diagram" xmlns:a="http://schemas.openxmlformats.org/drawingml/2006/main">
+<dsp:drawing xmlns:dgm="http://schemas.openxmlformats.org/drawingml/2006/diagram" xmlns:a="http://schemas.openxmlformats.org/drawingml/2006/main" xmlns:dsp="http://schemas.microsoft.com/office/drawing/2008/diagram">
   <dsp:spTree>
     <dsp:nvGrpSpPr>
       <dsp:cNvPr id="0" name=""/>
@@ -2879,12 +2879,12 @@
         </a:fontRef>
       </dsp:style>
       <dsp:txBody>
-        <a:bodyPr spcFirstLastPara="0" vert="horz" wrap="square" lIns="118110" tIns="118110" rIns="118110" bIns="118110" numCol="1" spcCol="1270" anchor="ctr" anchorCtr="0">
+        <a:bodyPr spcFirstLastPara="0" vert="horz" wrap="square" lIns="114300" tIns="114300" rIns="114300" bIns="114300" numCol="1" spcCol="1270" anchor="ctr" anchorCtr="0">
           <a:noAutofit/>
         </a:bodyPr>
         <a:lstStyle/>
         <a:p>
-          <a:pPr lvl="0" algn="ctr" defTabSz="1377950" rtl="0">
+          <a:pPr lvl="0" algn="ctr" defTabSz="1333500" rtl="0">
             <a:lnSpc>
               <a:spcPct val="90000"/>
             </a:lnSpc>
@@ -2896,15 +2896,15 @@
             </a:spcAft>
           </a:pPr>
           <a:r>
-            <a:rPr lang="en-US" sz="3100" kern="1200" dirty="0" smtClean="0"/>
+            <a:rPr lang="en-US" sz="3000" kern="1200" dirty="0" smtClean="0"/>
             <a:t>Arrange</a:t>
           </a:r>
-          <a:endParaRPr lang="en-US" sz="3100" kern="1200" dirty="0"/>
+          <a:endParaRPr lang="en-US" sz="3000" kern="1200" dirty="0"/>
         </a:p>
       </dsp:txBody>
       <dsp:txXfrm>
-        <a:off x="90073" y="1446164"/>
-        <a:ext cx="1726247" cy="1633633"/>
+        <a:off x="1697" y="1357788"/>
+        <a:ext cx="1902999" cy="1810385"/>
       </dsp:txXfrm>
     </dsp:sp>
     <dsp:sp modelId="{9AEF31B1-977B-476D-86F7-50DC85178B1A}">
@@ -2956,12 +2956,12 @@
         </a:fontRef>
       </dsp:style>
       <dsp:txBody>
-        <a:bodyPr spcFirstLastPara="0" vert="horz" wrap="square" lIns="118110" tIns="118110" rIns="118110" bIns="118110" numCol="1" spcCol="1270" anchor="ctr" anchorCtr="0">
+        <a:bodyPr spcFirstLastPara="0" vert="horz" wrap="square" lIns="114300" tIns="114300" rIns="114300" bIns="114300" numCol="1" spcCol="1270" anchor="ctr" anchorCtr="0">
           <a:noAutofit/>
         </a:bodyPr>
         <a:lstStyle/>
         <a:p>
-          <a:pPr lvl="0" algn="ctr" defTabSz="1377950" rtl="0">
+          <a:pPr lvl="0" algn="ctr" defTabSz="1333500" rtl="0">
             <a:lnSpc>
               <a:spcPct val="90000"/>
             </a:lnSpc>
@@ -2973,15 +2973,15 @@
             </a:spcAft>
           </a:pPr>
           <a:r>
-            <a:rPr lang="en-US" sz="3100" kern="1200" dirty="0" smtClean="0"/>
+            <a:rPr lang="en-US" sz="3000" kern="1200" dirty="0" smtClean="0"/>
             <a:t>Analyze</a:t>
           </a:r>
-          <a:endParaRPr lang="en-US" sz="3100" kern="1200" dirty="0"/>
+          <a:endParaRPr lang="en-US" sz="3000" kern="1200" dirty="0"/>
         </a:p>
       </dsp:txBody>
       <dsp:txXfrm>
-        <a:off x="2197808" y="1446164"/>
-        <a:ext cx="1726247" cy="1633633"/>
+        <a:off x="2109432" y="1357788"/>
+        <a:ext cx="1902999" cy="1810385"/>
       </dsp:txXfrm>
     </dsp:sp>
     <dsp:sp modelId="{555C0537-04C0-4A3B-8D29-6D2303651A7D}">
@@ -3033,12 +3033,12 @@
         </a:fontRef>
       </dsp:style>
       <dsp:txBody>
-        <a:bodyPr spcFirstLastPara="0" vert="horz" wrap="square" lIns="118110" tIns="118110" rIns="118110" bIns="118110" numCol="1" spcCol="1270" anchor="ctr" anchorCtr="0">
+        <a:bodyPr spcFirstLastPara="0" vert="horz" wrap="square" lIns="114300" tIns="114300" rIns="114300" bIns="114300" numCol="1" spcCol="1270" anchor="ctr" anchorCtr="0">
           <a:noAutofit/>
         </a:bodyPr>
         <a:lstStyle/>
         <a:p>
-          <a:pPr lvl="0" algn="ctr" defTabSz="1377950" rtl="0">
+          <a:pPr lvl="0" algn="ctr" defTabSz="1333500" rtl="0">
             <a:lnSpc>
               <a:spcPct val="90000"/>
             </a:lnSpc>
@@ -3050,15 +3050,15 @@
             </a:spcAft>
           </a:pPr>
           <a:r>
-            <a:rPr lang="en-US" sz="3100" kern="1200" dirty="0" smtClean="0"/>
+            <a:rPr lang="en-US" sz="3000" kern="1200" dirty="0" smtClean="0"/>
             <a:t>Conclude</a:t>
           </a:r>
-          <a:endParaRPr lang="en-US" sz="3100" kern="1200" dirty="0"/>
+          <a:endParaRPr lang="en-US" sz="3000" kern="1200" dirty="0"/>
         </a:p>
       </dsp:txBody>
       <dsp:txXfrm>
-        <a:off x="4305543" y="1446164"/>
-        <a:ext cx="1726247" cy="1633633"/>
+        <a:off x="4217167" y="1357788"/>
+        <a:ext cx="1902999" cy="1810385"/>
       </dsp:txXfrm>
     </dsp:sp>
     <dsp:sp modelId="{BF94F634-45D4-425A-8978-B0D10FF654F5}">
@@ -3110,12 +3110,12 @@
         </a:fontRef>
       </dsp:style>
       <dsp:txBody>
-        <a:bodyPr spcFirstLastPara="0" vert="horz" wrap="square" lIns="118110" tIns="118110" rIns="118110" bIns="118110" numCol="1" spcCol="1270" anchor="ctr" anchorCtr="0">
+        <a:bodyPr spcFirstLastPara="0" vert="horz" wrap="square" lIns="114300" tIns="114300" rIns="114300" bIns="114300" numCol="1" spcCol="1270" anchor="ctr" anchorCtr="0">
           <a:noAutofit/>
         </a:bodyPr>
         <a:lstStyle/>
         <a:p>
-          <a:pPr lvl="0" algn="ctr" defTabSz="1377950" rtl="0">
+          <a:pPr lvl="0" algn="ctr" defTabSz="1333500" rtl="0">
             <a:lnSpc>
               <a:spcPct val="90000"/>
             </a:lnSpc>
@@ -3127,15 +3127,15 @@
             </a:spcAft>
           </a:pPr>
           <a:r>
-            <a:rPr lang="en-US" sz="3100" kern="1200" dirty="0" smtClean="0"/>
+            <a:rPr lang="en-US" sz="3000" kern="1200" dirty="0" smtClean="0"/>
             <a:t>Present</a:t>
           </a:r>
-          <a:endParaRPr lang="en-US" sz="3100" kern="1200" dirty="0"/>
+          <a:endParaRPr lang="en-US" sz="3000" kern="1200" dirty="0"/>
         </a:p>
       </dsp:txBody>
       <dsp:txXfrm>
-        <a:off x="6413278" y="1446164"/>
-        <a:ext cx="1726247" cy="1633633"/>
+        <a:off x="6324902" y="1357788"/>
+        <a:ext cx="1902999" cy="1810385"/>
       </dsp:txXfrm>
     </dsp:sp>
   </dsp:spTree>
@@ -6348,7 +6348,7 @@
               <a:pPr>
                 <a:defRPr/>
               </a:pPr>
-              <a:t>5/15/13</a:t>
+              <a:t>5/15/2013</a:t>
             </a:fld>
             <a:endParaRPr lang="en-US"/>
           </a:p>
@@ -6545,7 +6545,7 @@
     </p:spTree>
     <p:extLst>
       <p:ext uri="{BB962C8B-B14F-4D97-AF65-F5344CB8AC3E}">
-        <p14:creationId xmlns:p14="http://schemas.microsoft.com/office/powerpoint/2010/main" val="1473755996"/>
+        <p14:creationId xmlns:p14="http://schemas.microsoft.com/office/powerpoint/2010/main" xmlns="" val="1473755996"/>
       </p:ext>
     </p:extLst>
   </p:cSld>
@@ -7002,7 +7002,7 @@
               <a:pPr>
                 <a:defRPr/>
               </a:pPr>
-              <a:t>5/15/13</a:t>
+              <a:t>5/15/2013</a:t>
             </a:fld>
             <a:endParaRPr lang="en-US"/>
           </a:p>
@@ -7194,7 +7194,7 @@
               <a:pPr>
                 <a:defRPr/>
               </a:pPr>
-              <a:t>5/15/13</a:t>
+              <a:t>5/15/2013</a:t>
             </a:fld>
             <a:endParaRPr lang="en-US"/>
           </a:p>
@@ -7396,7 +7396,7 @@
               <a:pPr>
                 <a:defRPr/>
               </a:pPr>
-              <a:t>5/15/13</a:t>
+              <a:t>5/15/2013</a:t>
             </a:fld>
             <a:endParaRPr lang="en-US"/>
           </a:p>
@@ -7588,7 +7588,7 @@
               <a:pPr>
                 <a:defRPr/>
               </a:pPr>
-              <a:t>5/15/13</a:t>
+              <a:t>5/15/2013</a:t>
             </a:fld>
             <a:endParaRPr lang="en-US"/>
           </a:p>
@@ -7856,7 +7856,7 @@
               <a:pPr>
                 <a:defRPr/>
               </a:pPr>
-              <a:t>5/15/13</a:t>
+              <a:t>5/15/2013</a:t>
             </a:fld>
             <a:endParaRPr lang="en-US"/>
           </a:p>
@@ -8166,7 +8166,7 @@
               <a:pPr>
                 <a:defRPr/>
               </a:pPr>
-              <a:t>5/15/13</a:t>
+              <a:t>5/15/2013</a:t>
             </a:fld>
             <a:endParaRPr lang="en-US"/>
           </a:p>
@@ -8610,7 +8610,7 @@
               <a:pPr>
                 <a:defRPr/>
               </a:pPr>
-              <a:t>5/15/13</a:t>
+              <a:t>5/15/2013</a:t>
             </a:fld>
             <a:endParaRPr lang="en-US"/>
           </a:p>
@@ -8750,7 +8750,7 @@
               <a:pPr>
                 <a:defRPr/>
               </a:pPr>
-              <a:t>5/15/13</a:t>
+              <a:t>5/15/2013</a:t>
             </a:fld>
             <a:endParaRPr lang="en-US"/>
           </a:p>
@@ -8867,7 +8867,7 @@
               <a:pPr>
                 <a:defRPr/>
               </a:pPr>
-              <a:t>5/15/13</a:t>
+              <a:t>5/15/2013</a:t>
             </a:fld>
             <a:endParaRPr lang="en-US"/>
           </a:p>
@@ -9166,7 +9166,7 @@
               <a:pPr>
                 <a:defRPr/>
               </a:pPr>
-              <a:t>5/15/13</a:t>
+              <a:t>5/15/2013</a:t>
             </a:fld>
             <a:endParaRPr lang="en-US"/>
           </a:p>
@@ -9444,7 +9444,7 @@
               <a:pPr>
                 <a:defRPr/>
               </a:pPr>
-              <a:t>5/15/13</a:t>
+              <a:t>5/15/2013</a:t>
             </a:fld>
             <a:endParaRPr lang="en-US"/>
           </a:p>
@@ -9700,7 +9700,7 @@
               <a:pPr>
                 <a:defRPr/>
               </a:pPr>
-              <a:t>5/15/13</a:t>
+              <a:t>5/15/2013</a:t>
             </a:fld>
             <a:endParaRPr lang="en-US"/>
           </a:p>
@@ -10432,7 +10432,7 @@
             <a:pPr eaLnBrk="1" hangingPunct="1"/>
             <a:r>
               <a:rPr lang="en-US" sz="2400" dirty="0" smtClean="0"/>
-              <a:t>True Virtual </a:t>
+              <a:t>In operation most like a Virtual </a:t>
             </a:r>
             <a:r>
               <a:rPr lang="en-US" sz="2400" dirty="0" err="1" smtClean="0"/>
@@ -10654,10 +10654,10 @@
           </p:nvPr>
         </p:nvPicPr>
         <p:blipFill>
-          <a:blip r:embed="rId2">
+          <a:blip r:embed="rId2" cstate="print">
             <a:extLst>
               <a:ext uri="{28A0092B-C50C-407E-A947-70E740481C1C}">
-                <a14:useLocalDpi xmlns:a14="http://schemas.microsoft.com/office/drawing/2010/main" val="0"/>
+                <a14:useLocalDpi xmlns:a14="http://schemas.microsoft.com/office/drawing/2010/main" xmlns="" val="0"/>
               </a:ext>
             </a:extLst>
           </a:blip>
